--- a/презентация.pptx
+++ b/презентация.pptx
@@ -5,7 +5,7 @@
     <p:sldMasterId id="2147483648" r:id="rId1"/>
   </p:sldMasterIdLst>
   <p:notesMasterIdLst>
-    <p:notesMasterId r:id="rId16"/>
+    <p:notesMasterId r:id="rId18"/>
   </p:notesMasterIdLst>
   <p:sldIdLst>
     <p:sldId id="263" r:id="rId2"/>
@@ -15,13 +15,15 @@
     <p:sldId id="270" r:id="rId6"/>
     <p:sldId id="271" r:id="rId7"/>
     <p:sldId id="266" r:id="rId8"/>
-    <p:sldId id="256" r:id="rId9"/>
-    <p:sldId id="258" r:id="rId10"/>
-    <p:sldId id="260" r:id="rId11"/>
-    <p:sldId id="261" r:id="rId12"/>
-    <p:sldId id="262" r:id="rId13"/>
-    <p:sldId id="267" r:id="rId14"/>
-    <p:sldId id="268" r:id="rId15"/>
+    <p:sldId id="273" r:id="rId9"/>
+    <p:sldId id="272" r:id="rId10"/>
+    <p:sldId id="256" r:id="rId11"/>
+    <p:sldId id="258" r:id="rId12"/>
+    <p:sldId id="260" r:id="rId13"/>
+    <p:sldId id="261" r:id="rId14"/>
+    <p:sldId id="262" r:id="rId15"/>
+    <p:sldId id="267" r:id="rId16"/>
+    <p:sldId id="268" r:id="rId17"/>
   </p:sldIdLst>
   <p:sldSz cx="9144000" cy="6858000" type="screen4x3"/>
   <p:notesSz cx="6858000" cy="9144000"/>
@@ -139,1606 +141,6 @@
 </p:presentation>
 </file>
 
-<file path=ppt/charts/chart1.xml><?xml version="1.0" encoding="utf-8"?>
-<c:chartSpace xmlns:c="http://schemas.openxmlformats.org/drawingml/2006/chart" xmlns:a="http://schemas.openxmlformats.org/drawingml/2006/main" xmlns:r="http://schemas.openxmlformats.org/officeDocument/2006/relationships" xmlns:c16r2="http://schemas.microsoft.com/office/drawing/2015/06/chart">
-  <c:date1904 val="0"/>
-  <c:lang val="en-US"/>
-  <c:roundedCorners val="0"/>
-  <mc:AlternateContent xmlns:mc="http://schemas.openxmlformats.org/markup-compatibility/2006">
-    <mc:Choice xmlns:c14="http://schemas.microsoft.com/office/drawing/2007/8/2/chart" Requires="c14">
-      <c14:style val="102"/>
-    </mc:Choice>
-    <mc:Fallback>
-      <c:style val="2"/>
-    </mc:Fallback>
-  </mc:AlternateContent>
-  <c:chart>
-    <c:title>
-      <c:tx>
-        <c:rich>
-          <a:bodyPr/>
-          <a:lstStyle/>
-          <a:p>
-            <a:pPr>
-              <a:defRPr/>
-            </a:pPr>
-            <a:r>
-              <a:rPr lang="ru-RU" sz="2400" b="0" dirty="0">
-                <a:latin typeface="Times New Roman" pitchFamily="18" charset="0"/>
-                <a:cs typeface="Times New Roman" pitchFamily="18" charset="0"/>
-              </a:rPr>
-              <a:t>Сравнение</a:t>
-            </a:r>
-            <a:r>
-              <a:rPr lang="ru-RU" sz="2400" b="0" baseline="0" dirty="0">
-                <a:latin typeface="Times New Roman" pitchFamily="18" charset="0"/>
-                <a:cs typeface="Times New Roman" pitchFamily="18" charset="0"/>
-              </a:rPr>
-              <a:t> </a:t>
-            </a:r>
-            <a:r>
-              <a:rPr lang="en-US" sz="2400" b="0" baseline="0" dirty="0">
-                <a:latin typeface="Times New Roman" pitchFamily="18" charset="0"/>
-                <a:cs typeface="Times New Roman" pitchFamily="18" charset="0"/>
-              </a:rPr>
-              <a:t>Node.js </a:t>
-            </a:r>
-            <a:r>
-              <a:rPr lang="ru-RU" sz="2400" b="0" baseline="0" dirty="0">
-                <a:latin typeface="Times New Roman" pitchFamily="18" charset="0"/>
-                <a:cs typeface="Times New Roman" pitchFamily="18" charset="0"/>
-              </a:rPr>
-              <a:t>и </a:t>
-            </a:r>
-            <a:r>
-              <a:rPr lang="en-US" sz="2400" b="0" baseline="0" dirty="0">
-                <a:latin typeface="Times New Roman" pitchFamily="18" charset="0"/>
-                <a:cs typeface="Times New Roman" pitchFamily="18" charset="0"/>
-              </a:rPr>
-              <a:t>.NET </a:t>
-            </a:r>
-            <a:r>
-              <a:rPr lang="en-US" sz="2400" b="0" baseline="0" dirty="0" smtClean="0">
-                <a:latin typeface="Times New Roman" pitchFamily="18" charset="0"/>
-                <a:cs typeface="Times New Roman" pitchFamily="18" charset="0"/>
-              </a:rPr>
-              <a:t>UDP-</a:t>
-            </a:r>
-            <a:r>
-              <a:rPr lang="ru-RU" sz="2400" b="0" baseline="0" dirty="0">
-                <a:latin typeface="Times New Roman" pitchFamily="18" charset="0"/>
-                <a:cs typeface="Times New Roman" pitchFamily="18" charset="0"/>
-              </a:rPr>
-              <a:t>сервера при размере сообщения </a:t>
-            </a:r>
-            <a:r>
-              <a:rPr lang="en-US" sz="2400" b="0" baseline="0" dirty="0">
-                <a:latin typeface="Times New Roman" pitchFamily="18" charset="0"/>
-                <a:cs typeface="Times New Roman" pitchFamily="18" charset="0"/>
-              </a:rPr>
-              <a:t>32768 </a:t>
-            </a:r>
-            <a:r>
-              <a:rPr lang="ru-RU" sz="2400" b="0" baseline="0" dirty="0">
-                <a:latin typeface="Times New Roman" pitchFamily="18" charset="0"/>
-                <a:cs typeface="Times New Roman" pitchFamily="18" charset="0"/>
-              </a:rPr>
-              <a:t>байт</a:t>
-            </a:r>
-            <a:endParaRPr lang="ru-RU" sz="2400" b="0" dirty="0">
-              <a:latin typeface="Times New Roman" pitchFamily="18" charset="0"/>
-              <a:cs typeface="Times New Roman" pitchFamily="18" charset="0"/>
-            </a:endParaRPr>
-          </a:p>
-        </c:rich>
-      </c:tx>
-      <c:overlay val="0"/>
-    </c:title>
-    <c:autoTitleDeleted val="0"/>
-    <c:plotArea>
-      <c:layout/>
-      <c:lineChart>
-        <c:grouping val="standard"/>
-        <c:varyColors val="0"/>
-        <c:ser>
-          <c:idx val="0"/>
-          <c:order val="0"/>
-          <c:tx>
-            <c:strRef>
-              <c:f>Лист1!$E$1</c:f>
-              <c:strCache>
-                <c:ptCount val="1"/>
-                <c:pt idx="0">
-                  <c:v>Node.js</c:v>
-                </c:pt>
-              </c:strCache>
-            </c:strRef>
-          </c:tx>
-          <c:marker>
-            <c:symbol val="none"/>
-          </c:marker>
-          <c:cat>
-            <c:numRef>
-              <c:f>Лист1!$B$2:$B$9</c:f>
-              <c:numCache>
-                <c:formatCode>General</c:formatCode>
-                <c:ptCount val="8"/>
-                <c:pt idx="0">
-                  <c:v>64</c:v>
-                </c:pt>
-                <c:pt idx="1">
-                  <c:v>128</c:v>
-                </c:pt>
-                <c:pt idx="2">
-                  <c:v>256</c:v>
-                </c:pt>
-                <c:pt idx="3">
-                  <c:v>512</c:v>
-                </c:pt>
-                <c:pt idx="4">
-                  <c:v>1024</c:v>
-                </c:pt>
-                <c:pt idx="5">
-                  <c:v>2048</c:v>
-                </c:pt>
-                <c:pt idx="6">
-                  <c:v>4096</c:v>
-                </c:pt>
-                <c:pt idx="7">
-                  <c:v>8192</c:v>
-                </c:pt>
-              </c:numCache>
-            </c:numRef>
-          </c:cat>
-          <c:val>
-            <c:numRef>
-              <c:f>Лист1!$E$2:$E$9</c:f>
-              <c:numCache>
-                <c:formatCode>General</c:formatCode>
-                <c:ptCount val="8"/>
-                <c:pt idx="0">
-                  <c:v>27</c:v>
-                </c:pt>
-                <c:pt idx="1">
-                  <c:v>42</c:v>
-                </c:pt>
-                <c:pt idx="2">
-                  <c:v>74</c:v>
-                </c:pt>
-                <c:pt idx="3">
-                  <c:v>132</c:v>
-                </c:pt>
-                <c:pt idx="4">
-                  <c:v>236</c:v>
-                </c:pt>
-                <c:pt idx="5">
-                  <c:v>465</c:v>
-                </c:pt>
-                <c:pt idx="6">
-                  <c:v>897</c:v>
-                </c:pt>
-                <c:pt idx="7">
-                  <c:v>1795</c:v>
-                </c:pt>
-              </c:numCache>
-            </c:numRef>
-          </c:val>
-          <c:smooth val="0"/>
-          <c:extLst>
-            <c:ext xmlns:c16="http://schemas.microsoft.com/office/drawing/2014/chart" uri="{C3380CC4-5D6E-409C-BE32-E72D297353CC}">
-              <c16:uniqueId val="{00000000-4273-457F-91EF-60C772679414}"/>
-            </c:ext>
-          </c:extLst>
-        </c:ser>
-        <c:ser>
-          <c:idx val="1"/>
-          <c:order val="1"/>
-          <c:tx>
-            <c:strRef>
-              <c:f>Лист1!$F$1</c:f>
-              <c:strCache>
-                <c:ptCount val="1"/>
-                <c:pt idx="0">
-                  <c:v>.NET</c:v>
-                </c:pt>
-              </c:strCache>
-            </c:strRef>
-          </c:tx>
-          <c:spPr>
-            <a:ln w="31750">
-              <a:prstDash val="lgDash"/>
-            </a:ln>
-          </c:spPr>
-          <c:marker>
-            <c:symbol val="none"/>
-          </c:marker>
-          <c:cat>
-            <c:numRef>
-              <c:f>Лист1!$B$2:$B$9</c:f>
-              <c:numCache>
-                <c:formatCode>General</c:formatCode>
-                <c:ptCount val="8"/>
-                <c:pt idx="0">
-                  <c:v>64</c:v>
-                </c:pt>
-                <c:pt idx="1">
-                  <c:v>128</c:v>
-                </c:pt>
-                <c:pt idx="2">
-                  <c:v>256</c:v>
-                </c:pt>
-                <c:pt idx="3">
-                  <c:v>512</c:v>
-                </c:pt>
-                <c:pt idx="4">
-                  <c:v>1024</c:v>
-                </c:pt>
-                <c:pt idx="5">
-                  <c:v>2048</c:v>
-                </c:pt>
-                <c:pt idx="6">
-                  <c:v>4096</c:v>
-                </c:pt>
-                <c:pt idx="7">
-                  <c:v>8192</c:v>
-                </c:pt>
-              </c:numCache>
-            </c:numRef>
-          </c:cat>
-          <c:val>
-            <c:numRef>
-              <c:f>Лист1!$F$2:$F$9</c:f>
-              <c:numCache>
-                <c:formatCode>General</c:formatCode>
-                <c:ptCount val="8"/>
-                <c:pt idx="0">
-                  <c:v>31</c:v>
-                </c:pt>
-                <c:pt idx="1">
-                  <c:v>45</c:v>
-                </c:pt>
-                <c:pt idx="2">
-                  <c:v>69</c:v>
-                </c:pt>
-                <c:pt idx="3">
-                  <c:v>116</c:v>
-                </c:pt>
-                <c:pt idx="4">
-                  <c:v>185</c:v>
-                </c:pt>
-                <c:pt idx="5">
-                  <c:v>395</c:v>
-                </c:pt>
-                <c:pt idx="6">
-                  <c:v>805</c:v>
-                </c:pt>
-                <c:pt idx="7">
-                  <c:v>1618</c:v>
-                </c:pt>
-              </c:numCache>
-            </c:numRef>
-          </c:val>
-          <c:smooth val="0"/>
-          <c:extLst>
-            <c:ext xmlns:c16="http://schemas.microsoft.com/office/drawing/2014/chart" uri="{C3380CC4-5D6E-409C-BE32-E72D297353CC}">
-              <c16:uniqueId val="{00000001-4273-457F-91EF-60C772679414}"/>
-            </c:ext>
-          </c:extLst>
-        </c:ser>
-        <c:dLbls>
-          <c:showLegendKey val="0"/>
-          <c:showVal val="0"/>
-          <c:showCatName val="0"/>
-          <c:showSerName val="0"/>
-          <c:showPercent val="0"/>
-          <c:showBubbleSize val="0"/>
-        </c:dLbls>
-        <c:smooth val="0"/>
-        <c:axId val="54206464"/>
-        <c:axId val="54208384"/>
-      </c:lineChart>
-      <c:catAx>
-        <c:axId val="54206464"/>
-        <c:scaling>
-          <c:orientation val="minMax"/>
-        </c:scaling>
-        <c:delete val="0"/>
-        <c:axPos val="b"/>
-        <c:title>
-          <c:tx>
-            <c:rich>
-              <a:bodyPr/>
-              <a:lstStyle/>
-              <a:p>
-                <a:pPr>
-                  <a:defRPr sz="1800"/>
-                </a:pPr>
-                <a:r>
-                  <a:rPr lang="ru-RU" sz="1800" b="0">
-                    <a:latin typeface="Times New Roman" pitchFamily="18" charset="0"/>
-                    <a:cs typeface="Times New Roman" pitchFamily="18" charset="0"/>
-                  </a:rPr>
-                  <a:t>Количество</a:t>
-                </a:r>
-                <a:r>
-                  <a:rPr lang="ru-RU" sz="1800" b="0" baseline="0">
-                    <a:latin typeface="Times New Roman" pitchFamily="18" charset="0"/>
-                    <a:cs typeface="Times New Roman" pitchFamily="18" charset="0"/>
-                  </a:rPr>
-                  <a:t> итераций</a:t>
-                </a:r>
-                <a:endParaRPr lang="ru-RU" sz="1800" b="0">
-                  <a:latin typeface="Times New Roman" pitchFamily="18" charset="0"/>
-                  <a:cs typeface="Times New Roman" pitchFamily="18" charset="0"/>
-                </a:endParaRPr>
-              </a:p>
-            </c:rich>
-          </c:tx>
-          <c:overlay val="0"/>
-        </c:title>
-        <c:numFmt formatCode="General" sourceLinked="1"/>
-        <c:majorTickMark val="out"/>
-        <c:minorTickMark val="none"/>
-        <c:tickLblPos val="nextTo"/>
-        <c:txPr>
-          <a:bodyPr/>
-          <a:lstStyle/>
-          <a:p>
-            <a:pPr>
-              <a:defRPr sz="1400"/>
-            </a:pPr>
-            <a:endParaRPr lang="ru-RU"/>
-          </a:p>
-        </c:txPr>
-        <c:crossAx val="54208384"/>
-        <c:crosses val="autoZero"/>
-        <c:auto val="1"/>
-        <c:lblAlgn val="ctr"/>
-        <c:lblOffset val="100"/>
-        <c:noMultiLvlLbl val="0"/>
-      </c:catAx>
-      <c:valAx>
-        <c:axId val="54208384"/>
-        <c:scaling>
-          <c:orientation val="minMax"/>
-        </c:scaling>
-        <c:delete val="0"/>
-        <c:axPos val="l"/>
-        <c:majorGridlines/>
-        <c:title>
-          <c:tx>
-            <c:rich>
-              <a:bodyPr rot="-5400000" vert="horz"/>
-              <a:lstStyle/>
-              <a:p>
-                <a:pPr>
-                  <a:defRPr sz="2000"/>
-                </a:pPr>
-                <a:r>
-                  <a:rPr lang="ru-RU" sz="2000" b="0" dirty="0">
-                    <a:latin typeface="Times New Roman" pitchFamily="18" charset="0"/>
-                    <a:cs typeface="Times New Roman" pitchFamily="18" charset="0"/>
-                  </a:rPr>
-                  <a:t>Время</a:t>
-                </a:r>
-                <a:r>
-                  <a:rPr lang="ru-RU" sz="2000" b="0" baseline="0" dirty="0">
-                    <a:latin typeface="Times New Roman" pitchFamily="18" charset="0"/>
-                    <a:cs typeface="Times New Roman" pitchFamily="18" charset="0"/>
-                  </a:rPr>
-                  <a:t> </a:t>
-                </a:r>
-                <a:r>
-                  <a:rPr lang="ru-RU" sz="2000" b="0" baseline="0" dirty="0" smtClean="0">
-                    <a:latin typeface="Times New Roman" pitchFamily="18" charset="0"/>
-                    <a:cs typeface="Times New Roman" pitchFamily="18" charset="0"/>
-                  </a:rPr>
-                  <a:t>отклика мс.</a:t>
-                </a:r>
-                <a:endParaRPr lang="ru-RU" sz="2000" b="0" dirty="0">
-                  <a:latin typeface="Times New Roman" pitchFamily="18" charset="0"/>
-                  <a:cs typeface="Times New Roman" pitchFamily="18" charset="0"/>
-                </a:endParaRPr>
-              </a:p>
-            </c:rich>
-          </c:tx>
-          <c:layout>
-            <c:manualLayout>
-              <c:xMode val="edge"/>
-              <c:yMode val="edge"/>
-              <c:x val="1.716869217087973E-2"/>
-              <c:y val="0.31847993196834357"/>
-            </c:manualLayout>
-          </c:layout>
-          <c:overlay val="0"/>
-        </c:title>
-        <c:numFmt formatCode="General" sourceLinked="1"/>
-        <c:majorTickMark val="out"/>
-        <c:minorTickMark val="none"/>
-        <c:tickLblPos val="nextTo"/>
-        <c:txPr>
-          <a:bodyPr/>
-          <a:lstStyle/>
-          <a:p>
-            <a:pPr>
-              <a:defRPr sz="1400"/>
-            </a:pPr>
-            <a:endParaRPr lang="ru-RU"/>
-          </a:p>
-        </c:txPr>
-        <c:crossAx val="54206464"/>
-        <c:crosses val="autoZero"/>
-        <c:crossBetween val="between"/>
-      </c:valAx>
-    </c:plotArea>
-    <c:legend>
-      <c:legendPos val="r"/>
-      <c:overlay val="0"/>
-      <c:txPr>
-        <a:bodyPr/>
-        <a:lstStyle/>
-        <a:p>
-          <a:pPr>
-            <a:defRPr sz="1800">
-              <a:latin typeface="Times New Roman" pitchFamily="18" charset="0"/>
-              <a:cs typeface="Times New Roman" pitchFamily="18" charset="0"/>
-            </a:defRPr>
-          </a:pPr>
-          <a:endParaRPr lang="ru-RU"/>
-        </a:p>
-      </c:txPr>
-    </c:legend>
-    <c:plotVisOnly val="1"/>
-    <c:dispBlanksAs val="gap"/>
-    <c:showDLblsOverMax val="0"/>
-  </c:chart>
-  <c:externalData r:id="rId1">
-    <c:autoUpdate val="0"/>
-  </c:externalData>
-</c:chartSpace>
-</file>
-
-<file path=ppt/charts/chart2.xml><?xml version="1.0" encoding="utf-8"?>
-<c:chartSpace xmlns:c="http://schemas.openxmlformats.org/drawingml/2006/chart" xmlns:a="http://schemas.openxmlformats.org/drawingml/2006/main" xmlns:r="http://schemas.openxmlformats.org/officeDocument/2006/relationships" xmlns:c16r2="http://schemas.microsoft.com/office/drawing/2015/06/chart">
-  <c:date1904 val="0"/>
-  <c:lang val="en-US"/>
-  <c:roundedCorners val="0"/>
-  <mc:AlternateContent xmlns:mc="http://schemas.openxmlformats.org/markup-compatibility/2006">
-    <mc:Choice xmlns:c14="http://schemas.microsoft.com/office/drawing/2007/8/2/chart" Requires="c14">
-      <c14:style val="102"/>
-    </mc:Choice>
-    <mc:Fallback>
-      <c:style val="2"/>
-    </mc:Fallback>
-  </mc:AlternateContent>
-  <c:chart>
-    <c:title>
-      <c:tx>
-        <c:rich>
-          <a:bodyPr/>
-          <a:lstStyle/>
-          <a:p>
-            <a:pPr>
-              <a:defRPr sz="1800"/>
-            </a:pPr>
-            <a:r>
-              <a:rPr lang="ru-RU" sz="2400" b="0" i="0" baseline="0" dirty="0">
-                <a:latin typeface="Times New Roman" pitchFamily="18" charset="0"/>
-                <a:cs typeface="Times New Roman" pitchFamily="18" charset="0"/>
-              </a:rPr>
-              <a:t>Сравнение многопоточного и однопоточного режимов </a:t>
-            </a:r>
-            <a:r>
-              <a:rPr lang="en-US" sz="2400" b="0" i="0" baseline="0" dirty="0" smtClean="0">
-                <a:latin typeface="Times New Roman" pitchFamily="18" charset="0"/>
-                <a:cs typeface="Times New Roman" pitchFamily="18" charset="0"/>
-              </a:rPr>
-              <a:t>HTTP-</a:t>
-            </a:r>
-            <a:r>
-              <a:rPr lang="ru-RU" sz="2400" b="0" i="0" baseline="0" dirty="0">
-                <a:latin typeface="Times New Roman" pitchFamily="18" charset="0"/>
-                <a:cs typeface="Times New Roman" pitchFamily="18" charset="0"/>
-              </a:rPr>
-              <a:t>сервера на </a:t>
-            </a:r>
-            <a:r>
-              <a:rPr lang="en-US" sz="2400" b="0" i="0" baseline="0" dirty="0">
-                <a:latin typeface="Times New Roman" pitchFamily="18" charset="0"/>
-                <a:cs typeface="Times New Roman" pitchFamily="18" charset="0"/>
-              </a:rPr>
-              <a:t>Node.js</a:t>
-            </a:r>
-            <a:endParaRPr lang="ru-RU" sz="2400" b="0" i="0" baseline="0" dirty="0">
-              <a:latin typeface="Times New Roman" pitchFamily="18" charset="0"/>
-              <a:cs typeface="Times New Roman" pitchFamily="18" charset="0"/>
-            </a:endParaRPr>
-          </a:p>
-        </c:rich>
-      </c:tx>
-      <c:layout/>
-      <c:overlay val="0"/>
-    </c:title>
-    <c:autoTitleDeleted val="0"/>
-    <c:plotArea>
-      <c:layout/>
-      <c:lineChart>
-        <c:grouping val="standard"/>
-        <c:varyColors val="0"/>
-        <c:ser>
-          <c:idx val="0"/>
-          <c:order val="0"/>
-          <c:tx>
-            <c:strRef>
-              <c:f>Лист3!$C$1</c:f>
-              <c:strCache>
-                <c:ptCount val="1"/>
-                <c:pt idx="0">
-                  <c:v>Многопоточный</c:v>
-                </c:pt>
-              </c:strCache>
-            </c:strRef>
-          </c:tx>
-          <c:marker>
-            <c:symbol val="none"/>
-          </c:marker>
-          <c:cat>
-            <c:numRef>
-              <c:f>Лист3!$A$2:$A$6</c:f>
-              <c:numCache>
-                <c:formatCode>General</c:formatCode>
-                <c:ptCount val="5"/>
-                <c:pt idx="0">
-                  <c:v>100</c:v>
-                </c:pt>
-                <c:pt idx="1">
-                  <c:v>200</c:v>
-                </c:pt>
-                <c:pt idx="2">
-                  <c:v>300</c:v>
-                </c:pt>
-                <c:pt idx="3">
-                  <c:v>400</c:v>
-                </c:pt>
-                <c:pt idx="4">
-                  <c:v>500</c:v>
-                </c:pt>
-              </c:numCache>
-            </c:numRef>
-          </c:cat>
-          <c:val>
-            <c:numRef>
-              <c:f>Лист3!$C$2:$C$6</c:f>
-              <c:numCache>
-                <c:formatCode>General</c:formatCode>
-                <c:ptCount val="5"/>
-                <c:pt idx="0">
-                  <c:v>2035</c:v>
-                </c:pt>
-                <c:pt idx="1">
-                  <c:v>3376</c:v>
-                </c:pt>
-                <c:pt idx="2">
-                  <c:v>5110</c:v>
-                </c:pt>
-                <c:pt idx="3">
-                  <c:v>7102</c:v>
-                </c:pt>
-                <c:pt idx="4">
-                  <c:v>9844</c:v>
-                </c:pt>
-              </c:numCache>
-            </c:numRef>
-          </c:val>
-          <c:smooth val="0"/>
-          <c:extLst>
-            <c:ext xmlns:c16="http://schemas.microsoft.com/office/drawing/2014/chart" uri="{C3380CC4-5D6E-409C-BE32-E72D297353CC}">
-              <c16:uniqueId val="{00000000-3454-45C3-B442-7E2C1DEDCE5F}"/>
-            </c:ext>
-          </c:extLst>
-        </c:ser>
-        <c:ser>
-          <c:idx val="1"/>
-          <c:order val="1"/>
-          <c:tx>
-            <c:strRef>
-              <c:f>Лист3!$D$1</c:f>
-              <c:strCache>
-                <c:ptCount val="1"/>
-                <c:pt idx="0">
-                  <c:v>Однопоточный</c:v>
-                </c:pt>
-              </c:strCache>
-            </c:strRef>
-          </c:tx>
-          <c:spPr>
-            <a:ln w="31750">
-              <a:prstDash val="lgDash"/>
-            </a:ln>
-          </c:spPr>
-          <c:marker>
-            <c:symbol val="none"/>
-          </c:marker>
-          <c:cat>
-            <c:numRef>
-              <c:f>Лист3!$A$2:$A$6</c:f>
-              <c:numCache>
-                <c:formatCode>General</c:formatCode>
-                <c:ptCount val="5"/>
-                <c:pt idx="0">
-                  <c:v>100</c:v>
-                </c:pt>
-                <c:pt idx="1">
-                  <c:v>200</c:v>
-                </c:pt>
-                <c:pt idx="2">
-                  <c:v>300</c:v>
-                </c:pt>
-                <c:pt idx="3">
-                  <c:v>400</c:v>
-                </c:pt>
-                <c:pt idx="4">
-                  <c:v>500</c:v>
-                </c:pt>
-              </c:numCache>
-            </c:numRef>
-          </c:cat>
-          <c:val>
-            <c:numRef>
-              <c:f>Лист3!$D$2:$D$6</c:f>
-              <c:numCache>
-                <c:formatCode>General</c:formatCode>
-                <c:ptCount val="5"/>
-                <c:pt idx="0">
-                  <c:v>6347</c:v>
-                </c:pt>
-                <c:pt idx="1">
-                  <c:v>12227</c:v>
-                </c:pt>
-                <c:pt idx="2">
-                  <c:v>18430</c:v>
-                </c:pt>
-                <c:pt idx="3">
-                  <c:v>24501</c:v>
-                </c:pt>
-                <c:pt idx="4">
-                  <c:v>29786</c:v>
-                </c:pt>
-              </c:numCache>
-            </c:numRef>
-          </c:val>
-          <c:smooth val="0"/>
-          <c:extLst>
-            <c:ext xmlns:c16="http://schemas.microsoft.com/office/drawing/2014/chart" uri="{C3380CC4-5D6E-409C-BE32-E72D297353CC}">
-              <c16:uniqueId val="{00000001-3454-45C3-B442-7E2C1DEDCE5F}"/>
-            </c:ext>
-          </c:extLst>
-        </c:ser>
-        <c:dLbls>
-          <c:showLegendKey val="0"/>
-          <c:showVal val="0"/>
-          <c:showCatName val="0"/>
-          <c:showSerName val="0"/>
-          <c:showPercent val="0"/>
-          <c:showBubbleSize val="0"/>
-        </c:dLbls>
-        <c:smooth val="0"/>
-        <c:axId val="54250496"/>
-        <c:axId val="54256768"/>
-      </c:lineChart>
-      <c:catAx>
-        <c:axId val="54250496"/>
-        <c:scaling>
-          <c:orientation val="minMax"/>
-        </c:scaling>
-        <c:delete val="0"/>
-        <c:axPos val="b"/>
-        <c:title>
-          <c:tx>
-            <c:rich>
-              <a:bodyPr/>
-              <a:lstStyle/>
-              <a:p>
-                <a:pPr>
-                  <a:defRPr sz="1800"/>
-                </a:pPr>
-                <a:r>
-                  <a:rPr lang="ru-RU" sz="1800" b="0">
-                    <a:latin typeface="Times New Roman" pitchFamily="18" charset="0"/>
-                    <a:cs typeface="Times New Roman" pitchFamily="18" charset="0"/>
-                  </a:rPr>
-                  <a:t>Количество</a:t>
-                </a:r>
-                <a:r>
-                  <a:rPr lang="ru-RU" sz="1800" b="0" baseline="0">
-                    <a:latin typeface="Times New Roman" pitchFamily="18" charset="0"/>
-                    <a:cs typeface="Times New Roman" pitchFamily="18" charset="0"/>
-                  </a:rPr>
-                  <a:t> запросов</a:t>
-                </a:r>
-                <a:endParaRPr lang="ru-RU" sz="1800" b="0">
-                  <a:latin typeface="Times New Roman" pitchFamily="18" charset="0"/>
-                  <a:cs typeface="Times New Roman" pitchFamily="18" charset="0"/>
-                </a:endParaRPr>
-              </a:p>
-            </c:rich>
-          </c:tx>
-          <c:layout/>
-          <c:overlay val="0"/>
-        </c:title>
-        <c:numFmt formatCode="General" sourceLinked="1"/>
-        <c:majorTickMark val="out"/>
-        <c:minorTickMark val="none"/>
-        <c:tickLblPos val="nextTo"/>
-        <c:txPr>
-          <a:bodyPr/>
-          <a:lstStyle/>
-          <a:p>
-            <a:pPr>
-              <a:defRPr sz="1400"/>
-            </a:pPr>
-            <a:endParaRPr lang="ru-RU"/>
-          </a:p>
-        </c:txPr>
-        <c:crossAx val="54256768"/>
-        <c:crosses val="autoZero"/>
-        <c:auto val="1"/>
-        <c:lblAlgn val="ctr"/>
-        <c:lblOffset val="100"/>
-        <c:noMultiLvlLbl val="0"/>
-      </c:catAx>
-      <c:valAx>
-        <c:axId val="54256768"/>
-        <c:scaling>
-          <c:orientation val="minMax"/>
-        </c:scaling>
-        <c:delete val="0"/>
-        <c:axPos val="l"/>
-        <c:majorGridlines/>
-        <c:title>
-          <c:tx>
-            <c:rich>
-              <a:bodyPr rot="-5400000" vert="horz"/>
-              <a:lstStyle/>
-              <a:p>
-                <a:pPr>
-                  <a:defRPr sz="1800"/>
-                </a:pPr>
-                <a:r>
-                  <a:rPr lang="ru-RU" sz="1800" b="0">
-                    <a:latin typeface="Times New Roman" pitchFamily="18" charset="0"/>
-                    <a:cs typeface="Times New Roman" pitchFamily="18" charset="0"/>
-                  </a:rPr>
-                  <a:t>Время ответа мс.</a:t>
-                </a:r>
-              </a:p>
-            </c:rich>
-          </c:tx>
-          <c:layout>
-            <c:manualLayout>
-              <c:xMode val="edge"/>
-              <c:yMode val="edge"/>
-              <c:x val="1.4172532417033029E-2"/>
-              <c:y val="0.32819645722424307"/>
-            </c:manualLayout>
-          </c:layout>
-          <c:overlay val="0"/>
-        </c:title>
-        <c:numFmt formatCode="General" sourceLinked="1"/>
-        <c:majorTickMark val="out"/>
-        <c:minorTickMark val="none"/>
-        <c:tickLblPos val="nextTo"/>
-        <c:txPr>
-          <a:bodyPr/>
-          <a:lstStyle/>
-          <a:p>
-            <a:pPr>
-              <a:defRPr sz="1400"/>
-            </a:pPr>
-            <a:endParaRPr lang="ru-RU"/>
-          </a:p>
-        </c:txPr>
-        <c:crossAx val="54250496"/>
-        <c:crosses val="autoZero"/>
-        <c:crossBetween val="between"/>
-      </c:valAx>
-    </c:plotArea>
-    <c:legend>
-      <c:legendPos val="r"/>
-      <c:layout/>
-      <c:overlay val="0"/>
-      <c:txPr>
-        <a:bodyPr/>
-        <a:lstStyle/>
-        <a:p>
-          <a:pPr>
-            <a:defRPr sz="1800"/>
-          </a:pPr>
-          <a:endParaRPr lang="ru-RU"/>
-        </a:p>
-      </c:txPr>
-    </c:legend>
-    <c:plotVisOnly val="1"/>
-    <c:dispBlanksAs val="gap"/>
-    <c:showDLblsOverMax val="0"/>
-  </c:chart>
-  <c:externalData r:id="rId1">
-    <c:autoUpdate val="0"/>
-  </c:externalData>
-</c:chartSpace>
-</file>
-
-<file path=ppt/charts/chart3.xml><?xml version="1.0" encoding="utf-8"?>
-<c:chartSpace xmlns:c="http://schemas.openxmlformats.org/drawingml/2006/chart" xmlns:a="http://schemas.openxmlformats.org/drawingml/2006/main" xmlns:r="http://schemas.openxmlformats.org/officeDocument/2006/relationships" xmlns:c16r2="http://schemas.microsoft.com/office/drawing/2015/06/chart">
-  <c:date1904 val="0"/>
-  <c:lang val="en-US"/>
-  <c:roundedCorners val="0"/>
-  <mc:AlternateContent xmlns:mc="http://schemas.openxmlformats.org/markup-compatibility/2006">
-    <mc:Choice xmlns:c14="http://schemas.microsoft.com/office/drawing/2007/8/2/chart" Requires="c14">
-      <c14:style val="102"/>
-    </mc:Choice>
-    <mc:Fallback>
-      <c:style val="2"/>
-    </mc:Fallback>
-  </mc:AlternateContent>
-  <c:chart>
-    <c:title>
-      <c:tx>
-        <c:rich>
-          <a:bodyPr/>
-          <a:lstStyle/>
-          <a:p>
-            <a:pPr>
-              <a:defRPr sz="2000"/>
-            </a:pPr>
-            <a:r>
-              <a:rPr lang="ru-RU" sz="2400" b="0" dirty="0">
-                <a:latin typeface="Times New Roman" pitchFamily="18" charset="0"/>
-                <a:cs typeface="Times New Roman" pitchFamily="18" charset="0"/>
-              </a:rPr>
-              <a:t>Сравнение</a:t>
-            </a:r>
-            <a:r>
-              <a:rPr lang="ru-RU" sz="2400" b="0" baseline="0" dirty="0">
-                <a:latin typeface="Times New Roman" pitchFamily="18" charset="0"/>
-                <a:cs typeface="Times New Roman" pitchFamily="18" charset="0"/>
-              </a:rPr>
-              <a:t> </a:t>
-            </a:r>
-            <a:r>
-              <a:rPr lang="en-US" sz="2400" b="0" baseline="0" dirty="0">
-                <a:latin typeface="Times New Roman" pitchFamily="18" charset="0"/>
-                <a:cs typeface="Times New Roman" pitchFamily="18" charset="0"/>
-              </a:rPr>
-              <a:t>Node.js </a:t>
-            </a:r>
-            <a:r>
-              <a:rPr lang="ru-RU" sz="2400" b="0" baseline="0" dirty="0">
-                <a:latin typeface="Times New Roman" pitchFamily="18" charset="0"/>
-                <a:cs typeface="Times New Roman" pitchFamily="18" charset="0"/>
-              </a:rPr>
-              <a:t>и </a:t>
-            </a:r>
-            <a:r>
-              <a:rPr lang="en-US" sz="2400" b="0" baseline="0" dirty="0">
-                <a:latin typeface="Times New Roman" pitchFamily="18" charset="0"/>
-                <a:cs typeface="Times New Roman" pitchFamily="18" charset="0"/>
-              </a:rPr>
-              <a:t>.NET </a:t>
-            </a:r>
-            <a:r>
-              <a:rPr lang="en-US" sz="2400" b="0" baseline="0" dirty="0" smtClean="0">
-                <a:latin typeface="Times New Roman" pitchFamily="18" charset="0"/>
-                <a:cs typeface="Times New Roman" pitchFamily="18" charset="0"/>
-              </a:rPr>
-              <a:t>HTTP-</a:t>
-            </a:r>
-            <a:r>
-              <a:rPr lang="ru-RU" sz="2400" b="0" baseline="0" dirty="0">
-                <a:latin typeface="Times New Roman" pitchFamily="18" charset="0"/>
-                <a:cs typeface="Times New Roman" pitchFamily="18" charset="0"/>
-              </a:rPr>
-              <a:t>серверов запущенных в многопоточных режимах</a:t>
-            </a:r>
-            <a:endParaRPr lang="ru-RU" sz="2400" b="0" dirty="0">
-              <a:latin typeface="Times New Roman" pitchFamily="18" charset="0"/>
-              <a:cs typeface="Times New Roman" pitchFamily="18" charset="0"/>
-            </a:endParaRPr>
-          </a:p>
-        </c:rich>
-      </c:tx>
-      <c:overlay val="0"/>
-    </c:title>
-    <c:autoTitleDeleted val="0"/>
-    <c:plotArea>
-      <c:layout/>
-      <c:lineChart>
-        <c:grouping val="standard"/>
-        <c:varyColors val="0"/>
-        <c:ser>
-          <c:idx val="0"/>
-          <c:order val="0"/>
-          <c:tx>
-            <c:strRef>
-              <c:f>'[measure course work.xlsx]Лист3'!$C$1</c:f>
-              <c:strCache>
-                <c:ptCount val="1"/>
-                <c:pt idx="0">
-                  <c:v>Node.js</c:v>
-                </c:pt>
-              </c:strCache>
-            </c:strRef>
-          </c:tx>
-          <c:marker>
-            <c:symbol val="none"/>
-          </c:marker>
-          <c:cat>
-            <c:numRef>
-              <c:f>'[measure course work.xlsx]Лист3'!$A$2:$A$6</c:f>
-              <c:numCache>
-                <c:formatCode>General</c:formatCode>
-                <c:ptCount val="5"/>
-                <c:pt idx="0">
-                  <c:v>100</c:v>
-                </c:pt>
-                <c:pt idx="1">
-                  <c:v>200</c:v>
-                </c:pt>
-                <c:pt idx="2">
-                  <c:v>300</c:v>
-                </c:pt>
-                <c:pt idx="3">
-                  <c:v>400</c:v>
-                </c:pt>
-                <c:pt idx="4">
-                  <c:v>500</c:v>
-                </c:pt>
-              </c:numCache>
-            </c:numRef>
-          </c:cat>
-          <c:val>
-            <c:numRef>
-              <c:f>'[measure course work.xlsx]Лист3'!$C$2:$C$6</c:f>
-              <c:numCache>
-                <c:formatCode>General</c:formatCode>
-                <c:ptCount val="5"/>
-                <c:pt idx="0">
-                  <c:v>2035</c:v>
-                </c:pt>
-                <c:pt idx="1">
-                  <c:v>3376</c:v>
-                </c:pt>
-                <c:pt idx="2">
-                  <c:v>5110</c:v>
-                </c:pt>
-                <c:pt idx="3">
-                  <c:v>7102</c:v>
-                </c:pt>
-                <c:pt idx="4">
-                  <c:v>9844</c:v>
-                </c:pt>
-              </c:numCache>
-            </c:numRef>
-          </c:val>
-          <c:smooth val="0"/>
-          <c:extLst>
-            <c:ext xmlns:c16="http://schemas.microsoft.com/office/drawing/2014/chart" uri="{C3380CC4-5D6E-409C-BE32-E72D297353CC}">
-              <c16:uniqueId val="{00000000-E650-413A-9FC8-5FFA6A8C5511}"/>
-            </c:ext>
-          </c:extLst>
-        </c:ser>
-        <c:ser>
-          <c:idx val="1"/>
-          <c:order val="1"/>
-          <c:tx>
-            <c:strRef>
-              <c:f>'[measure course work.xlsx]Лист3'!$F$1</c:f>
-              <c:strCache>
-                <c:ptCount val="1"/>
-                <c:pt idx="0">
-                  <c:v>.NET</c:v>
-                </c:pt>
-              </c:strCache>
-            </c:strRef>
-          </c:tx>
-          <c:spPr>
-            <a:ln w="31750">
-              <a:prstDash val="lgDash"/>
-            </a:ln>
-          </c:spPr>
-          <c:marker>
-            <c:symbol val="none"/>
-          </c:marker>
-          <c:cat>
-            <c:numRef>
-              <c:f>'[measure course work.xlsx]Лист3'!$A$2:$A$6</c:f>
-              <c:numCache>
-                <c:formatCode>General</c:formatCode>
-                <c:ptCount val="5"/>
-                <c:pt idx="0">
-                  <c:v>100</c:v>
-                </c:pt>
-                <c:pt idx="1">
-                  <c:v>200</c:v>
-                </c:pt>
-                <c:pt idx="2">
-                  <c:v>300</c:v>
-                </c:pt>
-                <c:pt idx="3">
-                  <c:v>400</c:v>
-                </c:pt>
-                <c:pt idx="4">
-                  <c:v>500</c:v>
-                </c:pt>
-              </c:numCache>
-            </c:numRef>
-          </c:cat>
-          <c:val>
-            <c:numRef>
-              <c:f>'[measure course work.xlsx]Лист3'!$F$2:$F$6</c:f>
-              <c:numCache>
-                <c:formatCode>General</c:formatCode>
-                <c:ptCount val="5"/>
-                <c:pt idx="0">
-                  <c:v>4653</c:v>
-                </c:pt>
-                <c:pt idx="1">
-                  <c:v>9155</c:v>
-                </c:pt>
-                <c:pt idx="2">
-                  <c:v>13771</c:v>
-                </c:pt>
-                <c:pt idx="3">
-                  <c:v>18584</c:v>
-                </c:pt>
-                <c:pt idx="4">
-                  <c:v>23554</c:v>
-                </c:pt>
-              </c:numCache>
-            </c:numRef>
-          </c:val>
-          <c:smooth val="0"/>
-          <c:extLst>
-            <c:ext xmlns:c16="http://schemas.microsoft.com/office/drawing/2014/chart" uri="{C3380CC4-5D6E-409C-BE32-E72D297353CC}">
-              <c16:uniqueId val="{00000001-E650-413A-9FC8-5FFA6A8C5511}"/>
-            </c:ext>
-          </c:extLst>
-        </c:ser>
-        <c:dLbls>
-          <c:showLegendKey val="0"/>
-          <c:showVal val="0"/>
-          <c:showCatName val="0"/>
-          <c:showSerName val="0"/>
-          <c:showPercent val="0"/>
-          <c:showBubbleSize val="0"/>
-        </c:dLbls>
-        <c:smooth val="0"/>
-        <c:axId val="58792192"/>
-        <c:axId val="58802560"/>
-      </c:lineChart>
-      <c:catAx>
-        <c:axId val="58792192"/>
-        <c:scaling>
-          <c:orientation val="minMax"/>
-        </c:scaling>
-        <c:delete val="0"/>
-        <c:axPos val="b"/>
-        <c:title>
-          <c:tx>
-            <c:rich>
-              <a:bodyPr/>
-              <a:lstStyle/>
-              <a:p>
-                <a:pPr>
-                  <a:defRPr sz="1800"/>
-                </a:pPr>
-                <a:r>
-                  <a:rPr lang="ru-RU" sz="1800" b="0">
-                    <a:latin typeface="Times New Roman" pitchFamily="18" charset="0"/>
-                    <a:cs typeface="Times New Roman" pitchFamily="18" charset="0"/>
-                  </a:rPr>
-                  <a:t>Количество запросов</a:t>
-                </a:r>
-              </a:p>
-            </c:rich>
-          </c:tx>
-          <c:overlay val="0"/>
-        </c:title>
-        <c:numFmt formatCode="General" sourceLinked="1"/>
-        <c:majorTickMark val="out"/>
-        <c:minorTickMark val="none"/>
-        <c:tickLblPos val="nextTo"/>
-        <c:txPr>
-          <a:bodyPr/>
-          <a:lstStyle/>
-          <a:p>
-            <a:pPr>
-              <a:defRPr sz="1400"/>
-            </a:pPr>
-            <a:endParaRPr lang="ru-RU"/>
-          </a:p>
-        </c:txPr>
-        <c:crossAx val="58802560"/>
-        <c:crosses val="autoZero"/>
-        <c:auto val="1"/>
-        <c:lblAlgn val="ctr"/>
-        <c:lblOffset val="100"/>
-        <c:noMultiLvlLbl val="0"/>
-      </c:catAx>
-      <c:valAx>
-        <c:axId val="58802560"/>
-        <c:scaling>
-          <c:orientation val="minMax"/>
-        </c:scaling>
-        <c:delete val="0"/>
-        <c:axPos val="l"/>
-        <c:majorGridlines/>
-        <c:title>
-          <c:tx>
-            <c:rich>
-              <a:bodyPr rot="-5400000" vert="horz"/>
-              <a:lstStyle/>
-              <a:p>
-                <a:pPr>
-                  <a:defRPr sz="1800"/>
-                </a:pPr>
-                <a:r>
-                  <a:rPr lang="ru-RU" sz="1800" b="0">
-                    <a:latin typeface="Times New Roman" pitchFamily="18" charset="0"/>
-                    <a:cs typeface="Times New Roman" pitchFamily="18" charset="0"/>
-                  </a:rPr>
-                  <a:t>Время ответа мс.</a:t>
-                </a:r>
-              </a:p>
-            </c:rich>
-          </c:tx>
-          <c:layout>
-            <c:manualLayout>
-              <c:xMode val="edge"/>
-              <c:yMode val="edge"/>
-              <c:x val="9.3647411841162251E-3"/>
-              <c:y val="0.34475315346387719"/>
-            </c:manualLayout>
-          </c:layout>
-          <c:overlay val="0"/>
-        </c:title>
-        <c:numFmt formatCode="General" sourceLinked="1"/>
-        <c:majorTickMark val="out"/>
-        <c:minorTickMark val="none"/>
-        <c:tickLblPos val="nextTo"/>
-        <c:txPr>
-          <a:bodyPr/>
-          <a:lstStyle/>
-          <a:p>
-            <a:pPr>
-              <a:defRPr sz="1400"/>
-            </a:pPr>
-            <a:endParaRPr lang="ru-RU"/>
-          </a:p>
-        </c:txPr>
-        <c:crossAx val="58792192"/>
-        <c:crosses val="autoZero"/>
-        <c:crossBetween val="between"/>
-      </c:valAx>
-    </c:plotArea>
-    <c:legend>
-      <c:legendPos val="r"/>
-      <c:overlay val="0"/>
-      <c:txPr>
-        <a:bodyPr/>
-        <a:lstStyle/>
-        <a:p>
-          <a:pPr>
-            <a:defRPr sz="1800"/>
-          </a:pPr>
-          <a:endParaRPr lang="ru-RU"/>
-        </a:p>
-      </c:txPr>
-    </c:legend>
-    <c:plotVisOnly val="1"/>
-    <c:dispBlanksAs val="gap"/>
-    <c:showDLblsOverMax val="0"/>
-  </c:chart>
-  <c:externalData r:id="rId1">
-    <c:autoUpdate val="0"/>
-  </c:externalData>
-</c:chartSpace>
-</file>
-
-<file path=ppt/charts/chart4.xml><?xml version="1.0" encoding="utf-8"?>
-<c:chartSpace xmlns:c="http://schemas.openxmlformats.org/drawingml/2006/chart" xmlns:a="http://schemas.openxmlformats.org/drawingml/2006/main" xmlns:r="http://schemas.openxmlformats.org/officeDocument/2006/relationships" xmlns:c16r2="http://schemas.microsoft.com/office/drawing/2015/06/chart">
-  <c:date1904 val="0"/>
-  <c:lang val="en-US"/>
-  <c:roundedCorners val="0"/>
-  <mc:AlternateContent xmlns:mc="http://schemas.openxmlformats.org/markup-compatibility/2006">
-    <mc:Choice xmlns:c14="http://schemas.microsoft.com/office/drawing/2007/8/2/chart" Requires="c14">
-      <c14:style val="102"/>
-    </mc:Choice>
-    <mc:Fallback>
-      <c:style val="2"/>
-    </mc:Fallback>
-  </mc:AlternateContent>
-  <c:chart>
-    <c:title>
-      <c:tx>
-        <c:rich>
-          <a:bodyPr/>
-          <a:lstStyle/>
-          <a:p>
-            <a:pPr>
-              <a:defRPr sz="2000"/>
-            </a:pPr>
-            <a:r>
-              <a:rPr lang="ru-RU" sz="2400" b="0" dirty="0">
-                <a:latin typeface="Times New Roman" pitchFamily="18" charset="0"/>
-                <a:cs typeface="Times New Roman" pitchFamily="18" charset="0"/>
-              </a:rPr>
-              <a:t>Сравнение </a:t>
-            </a:r>
-            <a:r>
-              <a:rPr lang="en-US" sz="2400" b="0" dirty="0">
-                <a:latin typeface="Times New Roman" pitchFamily="18" charset="0"/>
-                <a:cs typeface="Times New Roman" pitchFamily="18" charset="0"/>
-              </a:rPr>
-              <a:t>Node</a:t>
-            </a:r>
-            <a:r>
-              <a:rPr lang="en-US" sz="2400" b="0" baseline="0" dirty="0">
-                <a:latin typeface="Times New Roman" pitchFamily="18" charset="0"/>
-                <a:cs typeface="Times New Roman" pitchFamily="18" charset="0"/>
-              </a:rPr>
-              <a:t>.js </a:t>
-            </a:r>
-            <a:r>
-              <a:rPr lang="ru-RU" sz="2400" b="0" baseline="0" dirty="0">
-                <a:latin typeface="Times New Roman" pitchFamily="18" charset="0"/>
-                <a:cs typeface="Times New Roman" pitchFamily="18" charset="0"/>
-              </a:rPr>
-              <a:t>и </a:t>
-            </a:r>
-            <a:r>
-              <a:rPr lang="en-US" sz="2400" b="0" baseline="0" dirty="0">
-                <a:latin typeface="Times New Roman" pitchFamily="18" charset="0"/>
-                <a:cs typeface="Times New Roman" pitchFamily="18" charset="0"/>
-              </a:rPr>
-              <a:t>.NET</a:t>
-            </a:r>
-            <a:r>
-              <a:rPr lang="ru-RU" sz="2400" b="0" baseline="0" dirty="0">
-                <a:latin typeface="Times New Roman" pitchFamily="18" charset="0"/>
-                <a:cs typeface="Times New Roman" pitchFamily="18" charset="0"/>
-              </a:rPr>
-              <a:t> </a:t>
-            </a:r>
-            <a:r>
-              <a:rPr lang="en-US" sz="2400" b="0" baseline="0" dirty="0">
-                <a:latin typeface="Times New Roman" pitchFamily="18" charset="0"/>
-                <a:cs typeface="Times New Roman" pitchFamily="18" charset="0"/>
-              </a:rPr>
-              <a:t>http-</a:t>
-            </a:r>
-            <a:r>
-              <a:rPr lang="ru-RU" sz="2400" b="0" baseline="0" dirty="0">
-                <a:latin typeface="Times New Roman" pitchFamily="18" charset="0"/>
-                <a:cs typeface="Times New Roman" pitchFamily="18" charset="0"/>
-              </a:rPr>
-              <a:t>серверов запущенных под</a:t>
-            </a:r>
-            <a:r>
-              <a:rPr lang="en-US" sz="2400" b="0" baseline="0" dirty="0">
-                <a:latin typeface="Times New Roman" pitchFamily="18" charset="0"/>
-                <a:cs typeface="Times New Roman" pitchFamily="18" charset="0"/>
-              </a:rPr>
-              <a:t> IIS</a:t>
-            </a:r>
-            <a:endParaRPr lang="ru-RU" sz="2400" b="0" dirty="0">
-              <a:latin typeface="Times New Roman" pitchFamily="18" charset="0"/>
-              <a:cs typeface="Times New Roman" pitchFamily="18" charset="0"/>
-            </a:endParaRPr>
-          </a:p>
-        </c:rich>
-      </c:tx>
-      <c:overlay val="0"/>
-    </c:title>
-    <c:autoTitleDeleted val="0"/>
-    <c:plotArea>
-      <c:layout/>
-      <c:lineChart>
-        <c:grouping val="standard"/>
-        <c:varyColors val="0"/>
-        <c:ser>
-          <c:idx val="1"/>
-          <c:order val="0"/>
-          <c:tx>
-            <c:strRef>
-              <c:f>Лист3!$B$1</c:f>
-              <c:strCache>
-                <c:ptCount val="1"/>
-                <c:pt idx="0">
-                  <c:v>.NET</c:v>
-                </c:pt>
-              </c:strCache>
-            </c:strRef>
-          </c:tx>
-          <c:spPr>
-            <a:ln w="31750">
-              <a:prstDash val="lgDash"/>
-            </a:ln>
-          </c:spPr>
-          <c:marker>
-            <c:symbol val="none"/>
-          </c:marker>
-          <c:cat>
-            <c:numRef>
-              <c:f>Лист3!$A$2:$A$6</c:f>
-              <c:numCache>
-                <c:formatCode>General</c:formatCode>
-                <c:ptCount val="5"/>
-                <c:pt idx="0">
-                  <c:v>100</c:v>
-                </c:pt>
-                <c:pt idx="1">
-                  <c:v>200</c:v>
-                </c:pt>
-                <c:pt idx="2">
-                  <c:v>300</c:v>
-                </c:pt>
-                <c:pt idx="3">
-                  <c:v>400</c:v>
-                </c:pt>
-                <c:pt idx="4">
-                  <c:v>500</c:v>
-                </c:pt>
-              </c:numCache>
-            </c:numRef>
-          </c:cat>
-          <c:val>
-            <c:numRef>
-              <c:f>Лист3!$B$2:$B$6</c:f>
-              <c:numCache>
-                <c:formatCode>General</c:formatCode>
-                <c:ptCount val="5"/>
-                <c:pt idx="0">
-                  <c:v>4695</c:v>
-                </c:pt>
-                <c:pt idx="1">
-                  <c:v>8725</c:v>
-                </c:pt>
-                <c:pt idx="2">
-                  <c:v>12834</c:v>
-                </c:pt>
-                <c:pt idx="3">
-                  <c:v>17069</c:v>
-                </c:pt>
-                <c:pt idx="4">
-                  <c:v>21537</c:v>
-                </c:pt>
-              </c:numCache>
-            </c:numRef>
-          </c:val>
-          <c:smooth val="0"/>
-          <c:extLst>
-            <c:ext xmlns:c16="http://schemas.microsoft.com/office/drawing/2014/chart" uri="{C3380CC4-5D6E-409C-BE32-E72D297353CC}">
-              <c16:uniqueId val="{00000000-86B5-4952-8884-93EF97C07EE2}"/>
-            </c:ext>
-          </c:extLst>
-        </c:ser>
-        <c:ser>
-          <c:idx val="0"/>
-          <c:order val="1"/>
-          <c:tx>
-            <c:strRef>
-              <c:f>Лист3!$E$1</c:f>
-              <c:strCache>
-                <c:ptCount val="1"/>
-                <c:pt idx="0">
-                  <c:v>Node.js</c:v>
-                </c:pt>
-              </c:strCache>
-            </c:strRef>
-          </c:tx>
-          <c:marker>
-            <c:symbol val="none"/>
-          </c:marker>
-          <c:cat>
-            <c:numRef>
-              <c:f>Лист3!$A$2:$A$6</c:f>
-              <c:numCache>
-                <c:formatCode>General</c:formatCode>
-                <c:ptCount val="5"/>
-                <c:pt idx="0">
-                  <c:v>100</c:v>
-                </c:pt>
-                <c:pt idx="1">
-                  <c:v>200</c:v>
-                </c:pt>
-                <c:pt idx="2">
-                  <c:v>300</c:v>
-                </c:pt>
-                <c:pt idx="3">
-                  <c:v>400</c:v>
-                </c:pt>
-                <c:pt idx="4">
-                  <c:v>500</c:v>
-                </c:pt>
-              </c:numCache>
-            </c:numRef>
-          </c:cat>
-          <c:val>
-            <c:numRef>
-              <c:f>Лист3!$E$2:$E$6</c:f>
-              <c:numCache>
-                <c:formatCode>General</c:formatCode>
-                <c:ptCount val="5"/>
-                <c:pt idx="0">
-                  <c:v>2812</c:v>
-                </c:pt>
-                <c:pt idx="1">
-                  <c:v>3706</c:v>
-                </c:pt>
-                <c:pt idx="2">
-                  <c:v>5548</c:v>
-                </c:pt>
-                <c:pt idx="3">
-                  <c:v>7305</c:v>
-                </c:pt>
-                <c:pt idx="4">
-                  <c:v>9204</c:v>
-                </c:pt>
-              </c:numCache>
-            </c:numRef>
-          </c:val>
-          <c:smooth val="0"/>
-          <c:extLst>
-            <c:ext xmlns:c16="http://schemas.microsoft.com/office/drawing/2014/chart" uri="{C3380CC4-5D6E-409C-BE32-E72D297353CC}">
-              <c16:uniqueId val="{00000001-86B5-4952-8884-93EF97C07EE2}"/>
-            </c:ext>
-          </c:extLst>
-        </c:ser>
-        <c:dLbls>
-          <c:showLegendKey val="0"/>
-          <c:showVal val="0"/>
-          <c:showCatName val="0"/>
-          <c:showSerName val="0"/>
-          <c:showPercent val="0"/>
-          <c:showBubbleSize val="0"/>
-        </c:dLbls>
-        <c:smooth val="0"/>
-        <c:axId val="58848768"/>
-        <c:axId val="58850688"/>
-      </c:lineChart>
-      <c:catAx>
-        <c:axId val="58848768"/>
-        <c:scaling>
-          <c:orientation val="minMax"/>
-        </c:scaling>
-        <c:delete val="0"/>
-        <c:axPos val="b"/>
-        <c:title>
-          <c:tx>
-            <c:rich>
-              <a:bodyPr/>
-              <a:lstStyle/>
-              <a:p>
-                <a:pPr>
-                  <a:defRPr sz="1800"/>
-                </a:pPr>
-                <a:r>
-                  <a:rPr lang="ru-RU" sz="1800" b="0">
-                    <a:latin typeface="Times New Roman" pitchFamily="18" charset="0"/>
-                    <a:cs typeface="Times New Roman" pitchFamily="18" charset="0"/>
-                  </a:rPr>
-                  <a:t>Количество</a:t>
-                </a:r>
-                <a:r>
-                  <a:rPr lang="ru-RU" sz="1800" b="0" baseline="0">
-                    <a:latin typeface="Times New Roman" pitchFamily="18" charset="0"/>
-                    <a:cs typeface="Times New Roman" pitchFamily="18" charset="0"/>
-                  </a:rPr>
-                  <a:t> запросов</a:t>
-                </a:r>
-                <a:endParaRPr lang="ru-RU" sz="1800" b="0">
-                  <a:latin typeface="Times New Roman" pitchFamily="18" charset="0"/>
-                  <a:cs typeface="Times New Roman" pitchFamily="18" charset="0"/>
-                </a:endParaRPr>
-              </a:p>
-            </c:rich>
-          </c:tx>
-          <c:overlay val="0"/>
-        </c:title>
-        <c:numFmt formatCode="General" sourceLinked="1"/>
-        <c:majorTickMark val="out"/>
-        <c:minorTickMark val="none"/>
-        <c:tickLblPos val="nextTo"/>
-        <c:txPr>
-          <a:bodyPr/>
-          <a:lstStyle/>
-          <a:p>
-            <a:pPr>
-              <a:defRPr sz="1400"/>
-            </a:pPr>
-            <a:endParaRPr lang="ru-RU"/>
-          </a:p>
-        </c:txPr>
-        <c:crossAx val="58850688"/>
-        <c:crosses val="autoZero"/>
-        <c:auto val="1"/>
-        <c:lblAlgn val="ctr"/>
-        <c:lblOffset val="100"/>
-        <c:noMultiLvlLbl val="0"/>
-      </c:catAx>
-      <c:valAx>
-        <c:axId val="58850688"/>
-        <c:scaling>
-          <c:orientation val="minMax"/>
-        </c:scaling>
-        <c:delete val="0"/>
-        <c:axPos val="l"/>
-        <c:majorGridlines/>
-        <c:title>
-          <c:tx>
-            <c:rich>
-              <a:bodyPr rot="-5400000" vert="horz"/>
-              <a:lstStyle/>
-              <a:p>
-                <a:pPr>
-                  <a:defRPr sz="1800"/>
-                </a:pPr>
-                <a:r>
-                  <a:rPr lang="ru-RU" sz="1800" b="0">
-                    <a:latin typeface="Times New Roman" pitchFamily="18" charset="0"/>
-                    <a:cs typeface="Times New Roman" pitchFamily="18" charset="0"/>
-                  </a:rPr>
-                  <a:t>Время ответа мс.</a:t>
-                </a:r>
-              </a:p>
-            </c:rich>
-          </c:tx>
-          <c:overlay val="0"/>
-        </c:title>
-        <c:numFmt formatCode="General" sourceLinked="1"/>
-        <c:majorTickMark val="out"/>
-        <c:minorTickMark val="none"/>
-        <c:tickLblPos val="nextTo"/>
-        <c:txPr>
-          <a:bodyPr/>
-          <a:lstStyle/>
-          <a:p>
-            <a:pPr>
-              <a:defRPr sz="1400"/>
-            </a:pPr>
-            <a:endParaRPr lang="ru-RU"/>
-          </a:p>
-        </c:txPr>
-        <c:crossAx val="58848768"/>
-        <c:crosses val="autoZero"/>
-        <c:crossBetween val="between"/>
-      </c:valAx>
-    </c:plotArea>
-    <c:legend>
-      <c:legendPos val="r"/>
-      <c:overlay val="0"/>
-      <c:txPr>
-        <a:bodyPr/>
-        <a:lstStyle/>
-        <a:p>
-          <a:pPr>
-            <a:defRPr sz="1800"/>
-          </a:pPr>
-          <a:endParaRPr lang="ru-RU"/>
-        </a:p>
-      </c:txPr>
-    </c:legend>
-    <c:plotVisOnly val="1"/>
-    <c:dispBlanksAs val="gap"/>
-    <c:showDLblsOverMax val="0"/>
-  </c:chart>
-  <c:externalData r:id="rId1">
-    <c:autoUpdate val="0"/>
-  </c:externalData>
-</c:chartSpace>
-</file>
-
 <file path=ppt/notesMasters/notesMaster1.xml><?xml version="1.0" encoding="utf-8"?>
 <p:notesMaster xmlns:a="http://schemas.openxmlformats.org/drawingml/2006/main" xmlns:r="http://schemas.openxmlformats.org/officeDocument/2006/relationships" xmlns:p="http://schemas.openxmlformats.org/presentationml/2006/main">
   <p:cSld>
@@ -1822,7 +224,7 @@
             <a:fld id="{CB2E37F7-E0E7-4505-892E-1857864A9A37}" type="datetimeFigureOut">
               <a:rPr lang="ru-RU" smtClean="0"/>
               <a:pPr/>
-              <a:t>16.05.2017</a:t>
+              <a:t>18.05.2017</a:t>
             </a:fld>
             <a:endParaRPr lang="ru-RU"/>
           </a:p>
@@ -2352,7 +754,7 @@
             <a:fld id="{5B106E36-FD25-4E2D-B0AA-010F637433A0}" type="datetimeFigureOut">
               <a:rPr lang="ru-RU" smtClean="0"/>
               <a:pPr/>
-              <a:t>16.05.2017</a:t>
+              <a:t>18.05.2017</a:t>
             </a:fld>
             <a:endParaRPr lang="ru-RU"/>
           </a:p>
@@ -2519,7 +921,7 @@
             <a:fld id="{5B106E36-FD25-4E2D-B0AA-010F637433A0}" type="datetimeFigureOut">
               <a:rPr lang="ru-RU" smtClean="0"/>
               <a:pPr/>
-              <a:t>16.05.2017</a:t>
+              <a:t>18.05.2017</a:t>
             </a:fld>
             <a:endParaRPr lang="ru-RU"/>
           </a:p>
@@ -2696,7 +1098,7 @@
             <a:fld id="{5B106E36-FD25-4E2D-B0AA-010F637433A0}" type="datetimeFigureOut">
               <a:rPr lang="ru-RU" smtClean="0"/>
               <a:pPr/>
-              <a:t>16.05.2017</a:t>
+              <a:t>18.05.2017</a:t>
             </a:fld>
             <a:endParaRPr lang="ru-RU"/>
           </a:p>
@@ -2863,7 +1265,7 @@
             <a:fld id="{5B106E36-FD25-4E2D-B0AA-010F637433A0}" type="datetimeFigureOut">
               <a:rPr lang="ru-RU" smtClean="0"/>
               <a:pPr/>
-              <a:t>16.05.2017</a:t>
+              <a:t>18.05.2017</a:t>
             </a:fld>
             <a:endParaRPr lang="ru-RU"/>
           </a:p>
@@ -3106,7 +1508,7 @@
             <a:fld id="{5B106E36-FD25-4E2D-B0AA-010F637433A0}" type="datetimeFigureOut">
               <a:rPr lang="ru-RU" smtClean="0"/>
               <a:pPr/>
-              <a:t>16.05.2017</a:t>
+              <a:t>18.05.2017</a:t>
             </a:fld>
             <a:endParaRPr lang="ru-RU"/>
           </a:p>
@@ -3391,7 +1793,7 @@
             <a:fld id="{5B106E36-FD25-4E2D-B0AA-010F637433A0}" type="datetimeFigureOut">
               <a:rPr lang="ru-RU" smtClean="0"/>
               <a:pPr/>
-              <a:t>16.05.2017</a:t>
+              <a:t>18.05.2017</a:t>
             </a:fld>
             <a:endParaRPr lang="ru-RU"/>
           </a:p>
@@ -3810,7 +2212,7 @@
             <a:fld id="{5B106E36-FD25-4E2D-B0AA-010F637433A0}" type="datetimeFigureOut">
               <a:rPr lang="ru-RU" smtClean="0"/>
               <a:pPr/>
-              <a:t>16.05.2017</a:t>
+              <a:t>18.05.2017</a:t>
             </a:fld>
             <a:endParaRPr lang="ru-RU"/>
           </a:p>
@@ -3925,7 +2327,7 @@
             <a:fld id="{5B106E36-FD25-4E2D-B0AA-010F637433A0}" type="datetimeFigureOut">
               <a:rPr lang="ru-RU" smtClean="0"/>
               <a:pPr/>
-              <a:t>16.05.2017</a:t>
+              <a:t>18.05.2017</a:t>
             </a:fld>
             <a:endParaRPr lang="ru-RU"/>
           </a:p>
@@ -4017,7 +2419,7 @@
             <a:fld id="{5B106E36-FD25-4E2D-B0AA-010F637433A0}" type="datetimeFigureOut">
               <a:rPr lang="ru-RU" smtClean="0"/>
               <a:pPr/>
-              <a:t>16.05.2017</a:t>
+              <a:t>18.05.2017</a:t>
             </a:fld>
             <a:endParaRPr lang="ru-RU"/>
           </a:p>
@@ -4291,7 +2693,7 @@
             <a:fld id="{5B106E36-FD25-4E2D-B0AA-010F637433A0}" type="datetimeFigureOut">
               <a:rPr lang="ru-RU" smtClean="0"/>
               <a:pPr/>
-              <a:t>16.05.2017</a:t>
+              <a:t>18.05.2017</a:t>
             </a:fld>
             <a:endParaRPr lang="ru-RU"/>
           </a:p>
@@ -4541,7 +2943,7 @@
             <a:fld id="{5B106E36-FD25-4E2D-B0AA-010F637433A0}" type="datetimeFigureOut">
               <a:rPr lang="ru-RU" smtClean="0"/>
               <a:pPr/>
-              <a:t>16.05.2017</a:t>
+              <a:t>18.05.2017</a:t>
             </a:fld>
             <a:endParaRPr lang="ru-RU"/>
           </a:p>
@@ -4751,7 +3153,7 @@
             <a:fld id="{5B106E36-FD25-4E2D-B0AA-010F637433A0}" type="datetimeFigureOut">
               <a:rPr lang="ru-RU" smtClean="0"/>
               <a:pPr/>
-              <a:t>16.05.2017</a:t>
+              <a:t>18.05.2017</a:t>
             </a:fld>
             <a:endParaRPr lang="ru-RU"/>
           </a:p>
@@ -5376,22 +3778,38 @@
           <a:chExt cx="0" cy="0"/>
         </a:xfrm>
       </p:grpSpPr>
-      <p:graphicFrame>
-        <p:nvGraphicFramePr>
-          <p:cNvPr id="4" name="Диаграмма 3"/>
-          <p:cNvGraphicFramePr/>
+      <p:pic>
+        <p:nvPicPr>
+          <p:cNvPr id="1027" name="Picture 3"/>
+          <p:cNvPicPr>
+            <a:picLocks noChangeAspect="1" noChangeArrowheads="1"/>
+          </p:cNvPicPr>
           <p:nvPr/>
-        </p:nvGraphicFramePr>
-        <p:xfrm>
-          <a:off x="395536" y="980728"/>
-          <a:ext cx="8352928" cy="5256584"/>
-        </p:xfrm>
-        <a:graphic>
-          <a:graphicData uri="http://schemas.openxmlformats.org/drawingml/2006/chart">
-            <c:chart xmlns:c="http://schemas.openxmlformats.org/drawingml/2006/chart" xmlns:r="http://schemas.openxmlformats.org/officeDocument/2006/relationships" r:id="rId2"/>
-          </a:graphicData>
-        </a:graphic>
-      </p:graphicFrame>
+        </p:nvPicPr>
+        <p:blipFill>
+          <a:blip r:embed="rId2" cstate="print"/>
+          <a:srcRect/>
+          <a:stretch>
+            <a:fillRect/>
+          </a:stretch>
+        </p:blipFill>
+        <p:spPr bwMode="auto">
+          <a:xfrm>
+            <a:off x="179512" y="1124744"/>
+            <a:ext cx="8791161" cy="4752528"/>
+          </a:xfrm>
+          <a:prstGeom prst="rect">
+            <a:avLst/>
+          </a:prstGeom>
+          <a:noFill/>
+          <a:ln w="9525">
+            <a:noFill/>
+            <a:miter lim="800000"/>
+            <a:headEnd/>
+            <a:tailEnd/>
+          </a:ln>
+        </p:spPr>
+      </p:pic>
     </p:spTree>
   </p:cSld>
   <p:clrMapOvr>
@@ -5424,22 +3842,38 @@
           <a:chExt cx="0" cy="0"/>
         </a:xfrm>
       </p:grpSpPr>
-      <p:graphicFrame>
-        <p:nvGraphicFramePr>
-          <p:cNvPr id="4" name="Диаграмма 3"/>
-          <p:cNvGraphicFramePr/>
+      <p:pic>
+        <p:nvPicPr>
+          <p:cNvPr id="2050" name="Picture 2"/>
+          <p:cNvPicPr>
+            <a:picLocks noChangeAspect="1" noChangeArrowheads="1"/>
+          </p:cNvPicPr>
           <p:nvPr/>
-        </p:nvGraphicFramePr>
-        <p:xfrm>
-          <a:off x="395536" y="980728"/>
-          <a:ext cx="8280920" cy="5472608"/>
-        </p:xfrm>
-        <a:graphic>
-          <a:graphicData uri="http://schemas.openxmlformats.org/drawingml/2006/chart">
-            <c:chart xmlns:c="http://schemas.openxmlformats.org/drawingml/2006/chart" xmlns:r="http://schemas.openxmlformats.org/officeDocument/2006/relationships" r:id="rId2"/>
-          </a:graphicData>
-        </a:graphic>
-      </p:graphicFrame>
+        </p:nvPicPr>
+        <p:blipFill>
+          <a:blip r:embed="rId2" cstate="print"/>
+          <a:srcRect/>
+          <a:stretch>
+            <a:fillRect/>
+          </a:stretch>
+        </p:blipFill>
+        <p:spPr bwMode="auto">
+          <a:xfrm>
+            <a:off x="179512" y="764704"/>
+            <a:ext cx="8784976" cy="4752528"/>
+          </a:xfrm>
+          <a:prstGeom prst="rect">
+            <a:avLst/>
+          </a:prstGeom>
+          <a:noFill/>
+          <a:ln w="9525">
+            <a:noFill/>
+            <a:miter lim="800000"/>
+            <a:headEnd/>
+            <a:tailEnd/>
+          </a:ln>
+        </p:spPr>
+      </p:pic>
     </p:spTree>
   </p:cSld>
   <p:clrMapOvr>
@@ -5472,22 +3906,38 @@
           <a:chExt cx="0" cy="0"/>
         </a:xfrm>
       </p:grpSpPr>
-      <p:graphicFrame>
-        <p:nvGraphicFramePr>
-          <p:cNvPr id="4" name="Диаграмма 3"/>
-          <p:cNvGraphicFramePr/>
+      <p:pic>
+        <p:nvPicPr>
+          <p:cNvPr id="3075" name="Picture 3"/>
+          <p:cNvPicPr>
+            <a:picLocks noChangeAspect="1" noChangeArrowheads="1"/>
+          </p:cNvPicPr>
           <p:nvPr/>
-        </p:nvGraphicFramePr>
-        <p:xfrm>
-          <a:off x="395536" y="908720"/>
-          <a:ext cx="8424936" cy="5400600"/>
-        </p:xfrm>
-        <a:graphic>
-          <a:graphicData uri="http://schemas.openxmlformats.org/drawingml/2006/chart">
-            <c:chart xmlns:c="http://schemas.openxmlformats.org/drawingml/2006/chart" xmlns:r="http://schemas.openxmlformats.org/officeDocument/2006/relationships" r:id="rId2"/>
-          </a:graphicData>
-        </a:graphic>
-      </p:graphicFrame>
+        </p:nvPicPr>
+        <p:blipFill>
+          <a:blip r:embed="rId2" cstate="print"/>
+          <a:srcRect/>
+          <a:stretch>
+            <a:fillRect/>
+          </a:stretch>
+        </p:blipFill>
+        <p:spPr bwMode="auto">
+          <a:xfrm>
+            <a:off x="467544" y="836712"/>
+            <a:ext cx="8352928" cy="4536504"/>
+          </a:xfrm>
+          <a:prstGeom prst="rect">
+            <a:avLst/>
+          </a:prstGeom>
+          <a:noFill/>
+          <a:ln w="9525">
+            <a:noFill/>
+            <a:miter lim="800000"/>
+            <a:headEnd/>
+            <a:tailEnd/>
+          </a:ln>
+        </p:spPr>
+      </p:pic>
     </p:spTree>
   </p:cSld>
   <p:clrMapOvr>
@@ -5520,48 +3970,38 @@
           <a:chExt cx="0" cy="0"/>
         </a:xfrm>
       </p:grpSpPr>
-      <p:sp>
-        <p:nvSpPr>
-          <p:cNvPr id="2" name="Заголовок 1"/>
-          <p:cNvSpPr>
-            <a:spLocks noGrp="1"/>
-          </p:cNvSpPr>
-          <p:nvPr>
-            <p:ph type="title"/>
-          </p:nvPr>
-        </p:nvSpPr>
-        <p:spPr/>
-        <p:txBody>
-          <a:bodyPr/>
-          <a:lstStyle/>
-          <a:p>
-            <a:r>
-              <a:rPr lang="ru-RU" dirty="0" smtClean="0"/>
-              <a:t>Выводы</a:t>
-            </a:r>
-            <a:endParaRPr lang="ru-RU" dirty="0"/>
-          </a:p>
-        </p:txBody>
-      </p:sp>
-      <p:sp>
-        <p:nvSpPr>
-          <p:cNvPr id="3" name="Содержимое 2"/>
-          <p:cNvSpPr>
-            <a:spLocks noGrp="1"/>
-          </p:cNvSpPr>
-          <p:nvPr>
-            <p:ph idx="1"/>
-          </p:nvPr>
-        </p:nvSpPr>
-        <p:spPr/>
-        <p:txBody>
-          <a:bodyPr/>
-          <a:lstStyle/>
-          <a:p>
-            <a:endParaRPr lang="ru-RU" dirty="0"/>
-          </a:p>
-        </p:txBody>
-      </p:sp>
+      <p:pic>
+        <p:nvPicPr>
+          <p:cNvPr id="4098" name="Picture 2"/>
+          <p:cNvPicPr>
+            <a:picLocks noChangeAspect="1" noChangeArrowheads="1"/>
+          </p:cNvPicPr>
+          <p:nvPr/>
+        </p:nvPicPr>
+        <p:blipFill>
+          <a:blip r:embed="rId2" cstate="print"/>
+          <a:srcRect/>
+          <a:stretch>
+            <a:fillRect/>
+          </a:stretch>
+        </p:blipFill>
+        <p:spPr bwMode="auto">
+          <a:xfrm>
+            <a:off x="179512" y="764704"/>
+            <a:ext cx="8820472" cy="4608512"/>
+          </a:xfrm>
+          <a:prstGeom prst="rect">
+            <a:avLst/>
+          </a:prstGeom>
+          <a:noFill/>
+          <a:ln w="9525">
+            <a:noFill/>
+            <a:miter lim="800000"/>
+            <a:headEnd/>
+            <a:tailEnd/>
+          </a:ln>
+        </p:spPr>
+      </p:pic>
     </p:spTree>
   </p:cSld>
   <p:clrMapOvr>
@@ -5594,6 +4034,197 @@
           <a:chExt cx="0" cy="0"/>
         </a:xfrm>
       </p:grpSpPr>
+      <p:pic>
+        <p:nvPicPr>
+          <p:cNvPr id="5122" name="Picture 2"/>
+          <p:cNvPicPr>
+            <a:picLocks noChangeAspect="1" noChangeArrowheads="1"/>
+          </p:cNvPicPr>
+          <p:nvPr/>
+        </p:nvPicPr>
+        <p:blipFill>
+          <a:blip r:embed="rId2" cstate="print"/>
+          <a:srcRect/>
+          <a:stretch>
+            <a:fillRect/>
+          </a:stretch>
+        </p:blipFill>
+        <p:spPr bwMode="auto">
+          <a:xfrm>
+            <a:off x="251520" y="1700808"/>
+            <a:ext cx="8638816" cy="2232248"/>
+          </a:xfrm>
+          <a:prstGeom prst="rect">
+            <a:avLst/>
+          </a:prstGeom>
+          <a:noFill/>
+          <a:ln w="9525">
+            <a:noFill/>
+            <a:miter lim="800000"/>
+            <a:headEnd/>
+            <a:tailEnd/>
+          </a:ln>
+        </p:spPr>
+      </p:pic>
+    </p:spTree>
+  </p:cSld>
+  <p:clrMapOvr>
+    <a:masterClrMapping/>
+  </p:clrMapOvr>
+  <p:timing>
+    <p:tnLst>
+      <p:par>
+        <p:cTn id="1" dur="indefinite" restart="never" nodeType="tmRoot"/>
+      </p:par>
+    </p:tnLst>
+  </p:timing>
+</p:sld>
+</file>
+
+<file path=ppt/slides/slide15.xml><?xml version="1.0" encoding="utf-8"?>
+<p:sld xmlns:a="http://schemas.openxmlformats.org/drawingml/2006/main" xmlns:r="http://schemas.openxmlformats.org/officeDocument/2006/relationships" xmlns:p="http://schemas.openxmlformats.org/presentationml/2006/main">
+  <p:cSld>
+    <p:spTree>
+      <p:nvGrpSpPr>
+        <p:cNvPr id="1" name=""/>
+        <p:cNvGrpSpPr/>
+        <p:nvPr/>
+      </p:nvGrpSpPr>
+      <p:grpSpPr>
+        <a:xfrm>
+          <a:off x="0" y="0"/>
+          <a:ext cx="0" cy="0"/>
+          <a:chOff x="0" y="0"/>
+          <a:chExt cx="0" cy="0"/>
+        </a:xfrm>
+      </p:grpSpPr>
+      <p:sp>
+        <p:nvSpPr>
+          <p:cNvPr id="2" name="Заголовок 1"/>
+          <p:cNvSpPr>
+            <a:spLocks noGrp="1"/>
+          </p:cNvSpPr>
+          <p:nvPr>
+            <p:ph type="title"/>
+          </p:nvPr>
+        </p:nvSpPr>
+        <p:spPr/>
+        <p:txBody>
+          <a:bodyPr/>
+          <a:lstStyle/>
+          <a:p>
+            <a:r>
+              <a:rPr lang="ru-RU" dirty="0" smtClean="0"/>
+              <a:t>Выводы</a:t>
+            </a:r>
+            <a:endParaRPr lang="ru-RU" dirty="0"/>
+          </a:p>
+        </p:txBody>
+      </p:sp>
+      <p:sp>
+        <p:nvSpPr>
+          <p:cNvPr id="3" name="Содержимое 2"/>
+          <p:cNvSpPr>
+            <a:spLocks noGrp="1"/>
+          </p:cNvSpPr>
+          <p:nvPr>
+            <p:ph idx="1"/>
+          </p:nvPr>
+        </p:nvSpPr>
+        <p:spPr/>
+        <p:txBody>
+          <a:bodyPr>
+            <a:normAutofit fontScale="85000" lnSpcReduction="10000"/>
+          </a:bodyPr>
+          <a:lstStyle/>
+          <a:p>
+            <a:pPr lvl="0"/>
+            <a:r>
+              <a:rPr lang="ru-RU" dirty="0"/>
+              <a:t>Изучены принципы создания политики безопасности в СУБД </a:t>
+            </a:r>
+            <a:r>
+              <a:rPr lang="en-US" dirty="0"/>
+              <a:t>SQL SERVER</a:t>
+            </a:r>
+            <a:r>
+              <a:rPr lang="ru-RU" dirty="0"/>
+              <a:t> 2016</a:t>
+            </a:r>
+          </a:p>
+          <a:p>
+            <a:pPr lvl="0"/>
+            <a:r>
+              <a:rPr lang="ru-RU" dirty="0"/>
+              <a:t>Изучены способы создания политики безопасности как без использования встроенного механизма </a:t>
+            </a:r>
+            <a:r>
+              <a:rPr lang="en-US" dirty="0"/>
+              <a:t>RLS</a:t>
+            </a:r>
+            <a:r>
+              <a:rPr lang="ru-RU" dirty="0"/>
+              <a:t>, так и с ним</a:t>
+            </a:r>
+          </a:p>
+          <a:p>
+            <a:pPr lvl="0"/>
+            <a:r>
+              <a:rPr lang="ru-RU" dirty="0"/>
+              <a:t>Спроектирована базу данных, на которую будет накладываться политики безопасности</a:t>
+            </a:r>
+          </a:p>
+          <a:p>
+            <a:pPr lvl="0"/>
+            <a:r>
+              <a:rPr lang="ru-RU" dirty="0"/>
+              <a:t>Создано приложение для просмотра и изменения данных подготовленной базы данных</a:t>
+            </a:r>
+          </a:p>
+          <a:p>
+            <a:pPr lvl="0"/>
+            <a:r>
+              <a:rPr lang="ru-RU" dirty="0"/>
+              <a:t>Реализован механизм гибкого разграничения прав на записи базы данных, на основе предикатов</a:t>
+            </a:r>
+          </a:p>
+          <a:p>
+            <a:endParaRPr lang="ru-RU" dirty="0"/>
+          </a:p>
+        </p:txBody>
+      </p:sp>
+    </p:spTree>
+  </p:cSld>
+  <p:clrMapOvr>
+    <a:masterClrMapping/>
+  </p:clrMapOvr>
+  <p:timing>
+    <p:tnLst>
+      <p:par>
+        <p:cTn id="1" dur="indefinite" restart="never" nodeType="tmRoot"/>
+      </p:par>
+    </p:tnLst>
+  </p:timing>
+</p:sld>
+</file>
+
+<file path=ppt/slides/slide16.xml><?xml version="1.0" encoding="utf-8"?>
+<p:sld xmlns:a="http://schemas.openxmlformats.org/drawingml/2006/main" xmlns:r="http://schemas.openxmlformats.org/officeDocument/2006/relationships" xmlns:p="http://schemas.openxmlformats.org/presentationml/2006/main">
+  <p:cSld>
+    <p:spTree>
+      <p:nvGrpSpPr>
+        <p:cNvPr id="1" name=""/>
+        <p:cNvGrpSpPr/>
+        <p:nvPr/>
+      </p:nvGrpSpPr>
+      <p:grpSpPr>
+        <a:xfrm>
+          <a:off x="0" y="0"/>
+          <a:ext cx="0" cy="0"/>
+          <a:chOff x="0" y="0"/>
+          <a:chExt cx="0" cy="0"/>
+        </a:xfrm>
+      </p:grpSpPr>
       <p:sp>
         <p:nvSpPr>
           <p:cNvPr id="3" name="Содержимое 2"/>
@@ -5998,7 +4629,7 @@
           <p:nvPr/>
         </p:nvPicPr>
         <p:blipFill>
-          <a:blip r:embed="rId2">
+          <a:blip r:embed="rId2" cstate="print">
             <a:extLst>
               <a:ext uri="{28A0092B-C50C-407E-A947-70E740481C1C}">
                 <a14:useLocalDpi xmlns:a14="http://schemas.microsoft.com/office/drawing/2010/main" val="0"/>
@@ -6508,19 +5139,8 @@
                 <a:latin typeface="Times New Roman" pitchFamily="18" charset="0"/>
                 <a:cs typeface="Times New Roman" pitchFamily="18" charset="0"/>
               </a:rPr>
-              <a:t>Тестовая база данны</a:t>
-            </a:r>
-            <a:r>
-              <a:rPr lang="ru-RU" dirty="0" smtClean="0">
-                <a:latin typeface="Times New Roman" pitchFamily="18" charset="0"/>
-                <a:cs typeface="Times New Roman" pitchFamily="18" charset="0"/>
-              </a:rPr>
-              <a:t>х для применения политики безопасности</a:t>
-            </a:r>
-            <a:endParaRPr lang="ru-RU" dirty="0" smtClean="0">
-              <a:latin typeface="Times New Roman" pitchFamily="18" charset="0"/>
-              <a:cs typeface="Times New Roman" pitchFamily="18" charset="0"/>
-            </a:endParaRPr>
+              <a:t>Тестовая база данных для применения политики безопасности</a:t>
+            </a:r>
           </a:p>
           <a:p>
             <a:r>
@@ -6530,10 +5150,6 @@
               </a:rPr>
               <a:t>Приложение для управления сущностями БД</a:t>
             </a:r>
-            <a:endParaRPr lang="ru-RU" dirty="0" smtClean="0">
-              <a:latin typeface="Times New Roman" pitchFamily="18" charset="0"/>
-              <a:cs typeface="Times New Roman" pitchFamily="18" charset="0"/>
-            </a:endParaRPr>
           </a:p>
           <a:p>
             <a:r>
@@ -6586,17 +5202,19 @@
             <a:spLocks noGrp="1"/>
           </p:cNvSpPr>
           <p:nvPr>
-            <p:ph type="ctrTitle"/>
+            <p:ph type="title"/>
           </p:nvPr>
         </p:nvSpPr>
         <p:spPr>
           <a:xfrm>
-            <a:off x="755576" y="188640"/>
-            <a:ext cx="7772400" cy="864096"/>
+            <a:off x="467544" y="116632"/>
+            <a:ext cx="8229600" cy="432048"/>
           </a:xfrm>
         </p:spPr>
         <p:txBody>
-          <a:bodyPr/>
+          <a:bodyPr>
+            <a:normAutofit fontScale="90000"/>
+          </a:bodyPr>
           <a:lstStyle/>
           <a:p>
             <a:r>
@@ -6607,18 +5225,43 @@
           </a:p>
         </p:txBody>
       </p:sp>
+      <p:pic>
+        <p:nvPicPr>
+          <p:cNvPr id="7170" name="Picture 2"/>
+          <p:cNvPicPr>
+            <a:picLocks noChangeAspect="1" noChangeArrowheads="1"/>
+          </p:cNvPicPr>
+          <p:nvPr/>
+        </p:nvPicPr>
+        <p:blipFill>
+          <a:blip r:embed="rId2" cstate="print"/>
+          <a:srcRect/>
+          <a:stretch>
+            <a:fillRect/>
+          </a:stretch>
+        </p:blipFill>
+        <p:spPr bwMode="auto">
+          <a:xfrm>
+            <a:off x="611560" y="620688"/>
+            <a:ext cx="7920880" cy="5934396"/>
+          </a:xfrm>
+          <a:prstGeom prst="rect">
+            <a:avLst/>
+          </a:prstGeom>
+          <a:noFill/>
+          <a:ln w="9525">
+            <a:noFill/>
+            <a:miter lim="800000"/>
+            <a:headEnd/>
+            <a:tailEnd/>
+          </a:ln>
+        </p:spPr>
+      </p:pic>
     </p:spTree>
   </p:cSld>
   <p:clrMapOvr>
     <a:masterClrMapping/>
   </p:clrMapOvr>
-  <p:timing>
-    <p:tnLst>
-      <p:par>
-        <p:cTn id="1" dur="indefinite" restart="never" nodeType="tmRoot"/>
-      </p:par>
-    </p:tnLst>
-  </p:timing>
 </p:sld>
 </file>
 
@@ -6639,34 +5282,43 @@
           <a:chExt cx="0" cy="0"/>
         </a:xfrm>
       </p:grpSpPr>
-      <p:graphicFrame>
-        <p:nvGraphicFramePr>
-          <p:cNvPr id="5" name="Диаграмма 4"/>
-          <p:cNvGraphicFramePr/>
+      <p:pic>
+        <p:nvPicPr>
+          <p:cNvPr id="6146" name="Picture 2"/>
+          <p:cNvPicPr>
+            <a:picLocks noChangeAspect="1" noChangeArrowheads="1"/>
+          </p:cNvPicPr>
           <p:nvPr/>
-        </p:nvGraphicFramePr>
-        <p:xfrm>
-          <a:off x="395536" y="980728"/>
-          <a:ext cx="8424936" cy="5400600"/>
-        </p:xfrm>
-        <a:graphic>
-          <a:graphicData uri="http://schemas.openxmlformats.org/drawingml/2006/chart">
-            <c:chart xmlns:c="http://schemas.openxmlformats.org/drawingml/2006/chart" xmlns:r="http://schemas.openxmlformats.org/officeDocument/2006/relationships" r:id="rId2"/>
-          </a:graphicData>
-        </a:graphic>
-      </p:graphicFrame>
+        </p:nvPicPr>
+        <p:blipFill>
+          <a:blip r:embed="rId2" cstate="print"/>
+          <a:srcRect/>
+          <a:stretch>
+            <a:fillRect/>
+          </a:stretch>
+        </p:blipFill>
+        <p:spPr bwMode="auto">
+          <a:xfrm>
+            <a:off x="467544" y="11620"/>
+            <a:ext cx="7812360" cy="6846380"/>
+          </a:xfrm>
+          <a:prstGeom prst="rect">
+            <a:avLst/>
+          </a:prstGeom>
+          <a:noFill/>
+          <a:ln w="9525">
+            <a:noFill/>
+            <a:miter lim="800000"/>
+            <a:headEnd/>
+            <a:tailEnd/>
+          </a:ln>
+        </p:spPr>
+      </p:pic>
     </p:spTree>
   </p:cSld>
   <p:clrMapOvr>
     <a:masterClrMapping/>
   </p:clrMapOvr>
-  <p:timing>
-    <p:tnLst>
-      <p:par>
-        <p:cTn id="1" dur="indefinite" restart="never" nodeType="tmRoot"/>
-      </p:par>
-    </p:tnLst>
-  </p:timing>
 </p:sld>
 </file>
 
